--- a/sunumlar/02_Data_Preprocessing.pptx
+++ b/sunumlar/02_Data_Preprocessing.pptx
@@ -279,6 +279,30 @@
             <ac:picMk id="12" creationId="{A6DEA02B-CA55-4272-AC9D-780225DAA5A5}"/>
           </ac:picMkLst>
         </pc:picChg>
+      </pc:sldChg>
+    </pc:docChg>
+  </pc:docChgLst>
+  <pc:docChgLst>
+    <pc:chgData name="Erkan ŞİRİN" userId="7f10ce1d6aaf8c5d" providerId="LiveId" clId="{B06A18ED-BA71-4044-BA81-695A2B505183}"/>
+    <pc:docChg chg="modSld">
+      <pc:chgData name="Erkan ŞİRİN" userId="7f10ce1d6aaf8c5d" providerId="LiveId" clId="{B06A18ED-BA71-4044-BA81-695A2B505183}" dt="2019-05-21T12:53:13.304" v="1" actId="20577"/>
+      <pc:docMkLst>
+        <pc:docMk/>
+      </pc:docMkLst>
+      <pc:sldChg chg="modSp">
+        <pc:chgData name="Erkan ŞİRİN" userId="7f10ce1d6aaf8c5d" providerId="LiveId" clId="{B06A18ED-BA71-4044-BA81-695A2B505183}" dt="2019-05-21T12:53:13.304" v="1" actId="20577"/>
+        <pc:sldMkLst>
+          <pc:docMk/>
+          <pc:sldMk cId="2700576662" sldId="266"/>
+        </pc:sldMkLst>
+        <pc:spChg chg="mod">
+          <ac:chgData name="Erkan ŞİRİN" userId="7f10ce1d6aaf8c5d" providerId="LiveId" clId="{B06A18ED-BA71-4044-BA81-695A2B505183}" dt="2019-05-21T12:53:13.304" v="1" actId="20577"/>
+          <ac:spMkLst>
+            <pc:docMk/>
+            <pc:sldMk cId="2700576662" sldId="266"/>
+            <ac:spMk id="13" creationId="{00000000-0000-0000-0000-000000000000}"/>
+          </ac:spMkLst>
+        </pc:spChg>
       </pc:sldChg>
     </pc:docChg>
   </pc:docChgLst>
@@ -813,7 +837,7 @@
           <a:p>
             <a:fld id="{6F77F576-AE14-466D-AA6B-335273622B21}" type="datetimeFigureOut">
               <a:rPr lang="en-US" smtClean="0"/>
-              <a:t>5/14/2019</a:t>
+              <a:t>5/21/2019</a:t>
             </a:fld>
             <a:endParaRPr lang="en-US"/>
           </a:p>
@@ -1212,7 +1236,7 @@
           <a:p>
             <a:fld id="{54AA066D-271F-4C1A-B89A-0705A7689EE9}" type="datetimeFigureOut">
               <a:rPr lang="en-US" smtClean="0"/>
-              <a:t>5/14/2019</a:t>
+              <a:t>5/21/2019</a:t>
             </a:fld>
             <a:endParaRPr lang="en-US"/>
           </a:p>
@@ -1382,7 +1406,7 @@
           <a:p>
             <a:fld id="{54AA066D-271F-4C1A-B89A-0705A7689EE9}" type="datetimeFigureOut">
               <a:rPr lang="en-US" smtClean="0"/>
-              <a:t>5/14/2019</a:t>
+              <a:t>5/21/2019</a:t>
             </a:fld>
             <a:endParaRPr lang="en-US"/>
           </a:p>
@@ -1562,7 +1586,7 @@
           <a:p>
             <a:fld id="{54AA066D-271F-4C1A-B89A-0705A7689EE9}" type="datetimeFigureOut">
               <a:rPr lang="en-US" smtClean="0"/>
-              <a:t>5/14/2019</a:t>
+              <a:t>5/21/2019</a:t>
             </a:fld>
             <a:endParaRPr lang="en-US"/>
           </a:p>
@@ -1732,7 +1756,7 @@
           <a:p>
             <a:fld id="{54AA066D-271F-4C1A-B89A-0705A7689EE9}" type="datetimeFigureOut">
               <a:rPr lang="en-US" smtClean="0"/>
-              <a:t>5/14/2019</a:t>
+              <a:t>5/21/2019</a:t>
             </a:fld>
             <a:endParaRPr lang="en-US"/>
           </a:p>
@@ -1978,7 +2002,7 @@
           <a:p>
             <a:fld id="{54AA066D-271F-4C1A-B89A-0705A7689EE9}" type="datetimeFigureOut">
               <a:rPr lang="en-US" smtClean="0"/>
-              <a:t>5/14/2019</a:t>
+              <a:t>5/21/2019</a:t>
             </a:fld>
             <a:endParaRPr lang="en-US"/>
           </a:p>
@@ -2210,7 +2234,7 @@
           <a:p>
             <a:fld id="{54AA066D-271F-4C1A-B89A-0705A7689EE9}" type="datetimeFigureOut">
               <a:rPr lang="en-US" smtClean="0"/>
-              <a:t>5/14/2019</a:t>
+              <a:t>5/21/2019</a:t>
             </a:fld>
             <a:endParaRPr lang="en-US"/>
           </a:p>
@@ -2577,7 +2601,7 @@
           <a:p>
             <a:fld id="{54AA066D-271F-4C1A-B89A-0705A7689EE9}" type="datetimeFigureOut">
               <a:rPr lang="en-US" smtClean="0"/>
-              <a:t>5/14/2019</a:t>
+              <a:t>5/21/2019</a:t>
             </a:fld>
             <a:endParaRPr lang="en-US"/>
           </a:p>
@@ -2695,7 +2719,7 @@
           <a:p>
             <a:fld id="{54AA066D-271F-4C1A-B89A-0705A7689EE9}" type="datetimeFigureOut">
               <a:rPr lang="en-US" smtClean="0"/>
-              <a:t>5/14/2019</a:t>
+              <a:t>5/21/2019</a:t>
             </a:fld>
             <a:endParaRPr lang="en-US"/>
           </a:p>
@@ -2790,7 +2814,7 @@
           <a:p>
             <a:fld id="{54AA066D-271F-4C1A-B89A-0705A7689EE9}" type="datetimeFigureOut">
               <a:rPr lang="en-US" smtClean="0"/>
-              <a:t>5/14/2019</a:t>
+              <a:t>5/21/2019</a:t>
             </a:fld>
             <a:endParaRPr lang="en-US"/>
           </a:p>
@@ -3067,7 +3091,7 @@
           <a:p>
             <a:fld id="{54AA066D-271F-4C1A-B89A-0705A7689EE9}" type="datetimeFigureOut">
               <a:rPr lang="en-US" smtClean="0"/>
-              <a:t>5/14/2019</a:t>
+              <a:t>5/21/2019</a:t>
             </a:fld>
             <a:endParaRPr lang="en-US"/>
           </a:p>
@@ -3320,7 +3344,7 @@
           <a:p>
             <a:fld id="{54AA066D-271F-4C1A-B89A-0705A7689EE9}" type="datetimeFigureOut">
               <a:rPr lang="en-US" smtClean="0"/>
-              <a:t>5/14/2019</a:t>
+              <a:t>5/21/2019</a:t>
             </a:fld>
             <a:endParaRPr lang="en-US"/>
           </a:p>
@@ -3533,7 +3557,7 @@
           <a:p>
             <a:fld id="{54AA066D-271F-4C1A-B89A-0705A7689EE9}" type="datetimeFigureOut">
               <a:rPr lang="en-US" smtClean="0"/>
-              <a:t>5/14/2019</a:t>
+              <a:t>5/21/2019</a:t>
             </a:fld>
             <a:endParaRPr lang="en-US"/>
           </a:p>
@@ -13296,10 +13320,16 @@
           <a:lstStyle/>
           <a:p>
             <a:r>
+              <a:rPr lang="tr-TR">
+                <a:latin typeface="Bahnschrift SemiLight" panose="020B0502040204020203" pitchFamily="34" charset="0"/>
+              </a:rPr>
+              <a:t>Kaliteli bilgi </a:t>
+            </a:r>
+            <a:r>
               <a:rPr lang="tr-TR" dirty="0">
                 <a:latin typeface="Bahnschrift SemiLight" panose="020B0502040204020203" pitchFamily="34" charset="0"/>
               </a:rPr>
-              <a:t>Kaliteli bilgili kaliteli veri ile elde edilir.</a:t>
+              <a:t>kaliteli veri ile elde edilir.</a:t>
             </a:r>
           </a:p>
         </p:txBody>
